--- a/generated_pptx/IA_Report_Marketing_Spend_Efficiency.pptx
+++ b/generated_pptx/IA_Report_Marketing_Spend_Efficiency.pptx
@@ -3389,7 +3389,7 @@
             </a:pPr>
             <a:r>
               <a:rPr/>
-              <a:t>Title Slide</a:t>
+              <a:t>Audit of Marketing Spend &amp; Agency Management</a:t>
             </a:r>
           </a:p>
         </p:txBody>
@@ -3416,41 +3416,26 @@
           <a:lstStyle/>
           <a:p>
             <a:pPr lvl="0" indent="0" marL="0">
+              <a:spcBef>
+                <a:spcPts val="3000"/>
+              </a:spcBef>
               <a:buNone/>
             </a:pPr>
             <a:r>
               <a:rPr b="1"/>
-              <a:t>Report:</a:t>
-            </a:r>
-            <a:r>
-              <a:rPr/>
-              <a:t> Marketing Spend and Agency Management Audit</a:t>
+              <a:t>Marketing Department</a:t>
             </a:r>
           </a:p>
           <a:p>
             <a:pPr lvl="0" indent="0" marL="0">
+              <a:spcBef>
+                <a:spcPts val="3000"/>
+              </a:spcBef>
               <a:buNone/>
             </a:pPr>
             <a:r>
               <a:rPr b="1"/>
-              <a:t>Business Unit:</a:t>
-            </a:r>
-            <a:r>
-              <a:rPr/>
-              <a:t> Marketing</a:t>
-            </a:r>
-          </a:p>
-          <a:p>
-            <a:pPr lvl="0" indent="0" marL="0">
-              <a:buNone/>
-            </a:pPr>
-            <a:r>
-              <a:rPr b="1"/>
-              <a:t>Date:</a:t>
-            </a:r>
-            <a:r>
-              <a:rPr/>
-              <a:t> March 25, 2026</a:t>
+              <a:t>March 05, 2026</a:t>
             </a:r>
           </a:p>
         </p:txBody>
@@ -3546,7 +3531,7 @@
             </a:pPr>
             <a:r>
               <a:rPr/>
-              <a:t>To evaluate the procurement of agency services and the tracking of marketing ROI.</a:t>
+              <a:t>To review the approval process for media buys and agency performance monitoring.</a:t>
             </a:r>
           </a:p>
           <a:p>
@@ -3567,7 +3552,7 @@
             </a:pPr>
             <a:r>
               <a:rPr/>
-              <a:t>Marketing spend is $5M/year, with 70% allocated to digital agencies.</a:t>
+              <a:t>Marketing spend for 2025 was $8M, primarily focused on digital advertising and trade shows.</a:t>
             </a:r>
           </a:p>
           <a:p>
@@ -3588,7 +3573,7 @@
             </a:pPr>
             <a:r>
               <a:rPr/>
-              <a:t>Review of agency contracts and performance-based incentive payments.</a:t>
+              <a:t>Audit of agency contracts, invoice approvals, and campaign performance reports.</a:t>
             </a:r>
           </a:p>
         </p:txBody>
@@ -3641,7 +3626,7 @@
             </a:pPr>
             <a:r>
               <a:rPr/>
-              <a:t>Observation 1: Lack of Competitive Agency Bidding</a:t>
+              <a:t>Observation 1: Unapproved Media Spend Overages</a:t>
             </a:r>
           </a:p>
         </p:txBody>
@@ -3676,7 +3661,7 @@
             </a:r>
             <a:r>
               <a:rPr/>
-              <a:t> Three major digital agencies have been retained for 5+ years without a market re-bid.</a:t>
+              <a:t> Several digital ad campaigns exceeded their approved budgets by over 15% without prior written authorization.</a:t>
             </a:r>
           </a:p>
           <a:p>
@@ -3689,7 +3674,7 @@
             </a:r>
             <a:r>
               <a:rPr/>
-              <a:t> Overpaying for services and missing out on innovative market practices.</a:t>
+              <a:t> Budget overruns and lack of financial oversight on discretionary spend.</a:t>
             </a:r>
           </a:p>
           <a:p>
@@ -3719,20 +3704,7 @@
             </a:r>
             <a:r>
               <a:rPr/>
-              <a:t> Mandate a Request for Proposal (RFP) process every 3 years for all agencies.</a:t>
-            </a:r>
-          </a:p>
-          <a:p>
-            <a:pPr lvl="0" indent="0" marL="0">
-              <a:buNone/>
-            </a:pPr>
-            <a:r>
-              <a:rPr b="1"/>
-              <a:t>Status:</a:t>
-            </a:r>
-            <a:r>
-              <a:rPr/>
-              <a:t> Open</a:t>
+              <a:t> Implement hard budget caps within the digital ad platforms to prevent overspending.</a:t>
             </a:r>
           </a:p>
         </p:txBody>
@@ -3785,7 +3757,7 @@
             </a:pPr>
             <a:r>
               <a:rPr/>
-              <a:t>Observation 2: Unverified ‘Pass-Through’ Costs</a:t>
+              <a:t>Observation 2: Lack of ROI Measurement for Sponsorships</a:t>
             </a:r>
           </a:p>
         </p:txBody>
@@ -3820,7 +3792,7 @@
             </a:r>
             <a:r>
               <a:rPr/>
-              <a:t> Agencies were found to be adding markups to ‘pass-through’ media buys against contract terms.</a:t>
+              <a:t> There is no standardized framework to measure the Return on Investment (ROI) for corporate sponsorships.</a:t>
             </a:r>
           </a:p>
           <a:p>
@@ -3833,7 +3805,7 @@
             </a:r>
             <a:r>
               <a:rPr/>
-              <a:t> Direct financial leakage and breach of contract.</a:t>
+              <a:t> Inefficient allocation of marketing capital on low-value activities.</a:t>
             </a:r>
           </a:p>
           <a:p>
@@ -3850,7 +3822,7 @@
             </a:r>
             <a:r>
               <a:rPr b="1"/>
-              <a:t>INADEQUATE</a:t>
+              <a:t>ADEQUATE</a:t>
             </a:r>
           </a:p>
           <a:p>
@@ -3863,20 +3835,7 @@
             </a:r>
             <a:r>
               <a:rPr/>
-              <a:t> Exercise ‘Right to Audit’ clauses for all major agency billings.</a:t>
-            </a:r>
-          </a:p>
-          <a:p>
-            <a:pPr lvl="0" indent="0" marL="0">
-              <a:buNone/>
-            </a:pPr>
-            <a:r>
-              <a:rPr b="1"/>
-              <a:t>Status:</a:t>
-            </a:r>
-            <a:r>
-              <a:rPr/>
-              <a:t> Not Started</a:t>
+              <a:t> Develop a scorecard to assess lead generation and brand awareness for all sponsorships over $50k.</a:t>
             </a:r>
           </a:p>
         </p:txBody>
@@ -3960,7 +3919,7 @@
             </a:pPr>
             <a:r>
               <a:rPr/>
-              <a:t>Launch an RFP for digital marketing services.</a:t>
+              <a:t>Enforce strict budget controls for all digital media agencies.</a:t>
             </a:r>
           </a:p>
           <a:p>
@@ -3969,7 +3928,7 @@
             </a:pPr>
             <a:r>
               <a:rPr/>
-              <a:t>Conduct a forensic audit of the top 2 spend agencies.</a:t>
+              <a:t>Establish a Performance KPI framework for all marketing spend.</a:t>
             </a:r>
           </a:p>
           <a:p>
@@ -3978,7 +3937,7 @@
             </a:pPr>
             <a:r>
               <a:rPr/>
-              <a:t>Standardize agency performance KPIs.</a:t>
+              <a:t>Review agency fee structures against industry benchmarks.</a:t>
             </a:r>
           </a:p>
         </p:txBody>
@@ -4122,7 +4081,7 @@
                       </a:pPr>
                       <a:r>
                         <a:rPr/>
-                        <a:t>Agency RFP</a:t>
+                        <a:t>Budget Cap Policy</a:t>
                       </a:r>
                     </a:p>
                   </a:txBody>
@@ -4137,7 +4096,7 @@
                       </a:pPr>
                       <a:r>
                         <a:rPr/>
-                        <a:t>Marketing Dir</a:t>
+                        <a:t>Marketing VP</a:t>
                       </a:r>
                     </a:p>
                   </a:txBody>
@@ -4152,7 +4111,7 @@
                       </a:pPr>
                       <a:r>
                         <a:rPr/>
-                        <a:t>October 2026</a:t>
+                        <a:t>March 2026</a:t>
                       </a:r>
                     </a:p>
                   </a:txBody>
@@ -4169,7 +4128,7 @@
                       </a:pPr>
                       <a:r>
                         <a:rPr/>
-                        <a:t>Forensic Audit</a:t>
+                        <a:t>ROI Scorecard</a:t>
                       </a:r>
                     </a:p>
                   </a:txBody>
@@ -4184,7 +4143,7 @@
                       </a:pPr>
                       <a:r>
                         <a:rPr/>
-                        <a:t>Internal Audit</a:t>
+                        <a:t>Analytics Lead</a:t>
                       </a:r>
                     </a:p>
                   </a:txBody>
@@ -4199,7 +4158,7 @@
                       </a:pPr>
                       <a:r>
                         <a:rPr/>
-                        <a:t>June 2026</a:t>
+                        <a:t>May 2026</a:t>
                       </a:r>
                     </a:p>
                   </a:txBody>
@@ -4216,7 +4175,7 @@
                       </a:pPr>
                       <a:r>
                         <a:rPr/>
-                        <a:t>Contract Review</a:t>
+                        <a:t>Agency Audit</a:t>
                       </a:r>
                     </a:p>
                   </a:txBody>
@@ -4246,7 +4205,7 @@
                       </a:pPr>
                       <a:r>
                         <a:rPr/>
-                        <a:t>May 2026</a:t>
+                        <a:t>April 2026</a:t>
                       </a:r>
                     </a:p>
                   </a:txBody>
